--- a/Project.pptx
+++ b/Project.pptx
@@ -4,6 +4,9 @@
   <p:sldMasterIdLst>
     <p:sldMasterId id="2147483648" r:id="rId1"/>
   </p:sldMasterIdLst>
+  <p:notesMasterIdLst>
+    <p:notesMasterId r:id="rId15"/>
+  </p:notesMasterIdLst>
   <p:sldIdLst>
     <p:sldId id="256" r:id="rId2"/>
     <p:sldId id="257" r:id="rId3"/>
@@ -117,6 +120,446 @@
     </a:lvl9pPr>
   </p:defaultTextStyle>
 </p:presentation>
+</file>
+
+<file path=ppt/notesMasters/notesMaster1.xml><?xml version="1.0" encoding="utf-8"?>
+<p:notesMaster xmlns:a="http://schemas.openxmlformats.org/drawingml/2006/main" xmlns:r="http://schemas.openxmlformats.org/officeDocument/2006/relationships" xmlns:p="http://schemas.openxmlformats.org/presentationml/2006/main">
+  <p:cSld>
+    <p:bg>
+      <p:bgRef idx="1001">
+        <a:schemeClr val="bg1"/>
+      </p:bgRef>
+    </p:bg>
+    <p:spTree>
+      <p:nvGrpSpPr>
+        <p:cNvPr id="1" name=""/>
+        <p:cNvGrpSpPr/>
+        <p:nvPr/>
+      </p:nvGrpSpPr>
+      <p:grpSpPr>
+        <a:xfrm>
+          <a:off x="0" y="0"/>
+          <a:ext cx="0" cy="0"/>
+          <a:chOff x="0" y="0"/>
+          <a:chExt cx="0" cy="0"/>
+        </a:xfrm>
+      </p:grpSpPr>
+      <p:sp>
+        <p:nvSpPr>
+          <p:cNvPr id="2" name="Header Placeholder 1"/>
+          <p:cNvSpPr>
+            <a:spLocks noGrp="1"/>
+          </p:cNvSpPr>
+          <p:nvPr>
+            <p:ph type="hdr" sz="quarter"/>
+          </p:nvPr>
+        </p:nvSpPr>
+        <p:spPr>
+          <a:xfrm>
+            <a:off x="0" y="0"/>
+            <a:ext cx="2971800" cy="457200"/>
+          </a:xfrm>
+          <a:prstGeom prst="rect">
+            <a:avLst/>
+          </a:prstGeom>
+        </p:spPr>
+        <p:txBody>
+          <a:bodyPr vert="horz" lIns="91440" tIns="45720" rIns="91440" bIns="45720" rtlCol="0"/>
+          <a:lstStyle>
+            <a:lvl1pPr algn="l">
+              <a:defRPr sz="1200"/>
+            </a:lvl1pPr>
+          </a:lstStyle>
+          <a:p>
+            <a:endParaRPr lang="en-US"/>
+          </a:p>
+        </p:txBody>
+      </p:sp>
+      <p:sp>
+        <p:nvSpPr>
+          <p:cNvPr id="3" name="Date Placeholder 2"/>
+          <p:cNvSpPr>
+            <a:spLocks noGrp="1"/>
+          </p:cNvSpPr>
+          <p:nvPr>
+            <p:ph type="dt" idx="1"/>
+          </p:nvPr>
+        </p:nvSpPr>
+        <p:spPr>
+          <a:xfrm>
+            <a:off x="3884613" y="0"/>
+            <a:ext cx="2971800" cy="457200"/>
+          </a:xfrm>
+          <a:prstGeom prst="rect">
+            <a:avLst/>
+          </a:prstGeom>
+        </p:spPr>
+        <p:txBody>
+          <a:bodyPr vert="horz" lIns="91440" tIns="45720" rIns="91440" bIns="45720" rtlCol="0"/>
+          <a:lstStyle>
+            <a:lvl1pPr algn="r">
+              <a:defRPr sz="1200"/>
+            </a:lvl1pPr>
+          </a:lstStyle>
+          <a:p>
+            <a:fld id="{712528F3-B5EC-4344-AC8A-675626C1A7D9}" type="datetimeFigureOut">
+              <a:rPr lang="en-US" smtClean="0"/>
+              <a:t>11/2/2020</a:t>
+            </a:fld>
+            <a:endParaRPr lang="en-US"/>
+          </a:p>
+        </p:txBody>
+      </p:sp>
+      <p:sp>
+        <p:nvSpPr>
+          <p:cNvPr id="4" name="Slide Image Placeholder 3"/>
+          <p:cNvSpPr>
+            <a:spLocks noGrp="1" noRot="1" noChangeAspect="1"/>
+          </p:cNvSpPr>
+          <p:nvPr>
+            <p:ph type="sldImg" idx="2"/>
+          </p:nvPr>
+        </p:nvSpPr>
+        <p:spPr>
+          <a:xfrm>
+            <a:off x="1143000" y="685800"/>
+            <a:ext cx="4572000" cy="3429000"/>
+          </a:xfrm>
+          <a:prstGeom prst="rect">
+            <a:avLst/>
+          </a:prstGeom>
+          <a:noFill/>
+          <a:ln w="12700">
+            <a:solidFill>
+              <a:prstClr val="black"/>
+            </a:solidFill>
+          </a:ln>
+        </p:spPr>
+        <p:txBody>
+          <a:bodyPr vert="horz" lIns="91440" tIns="45720" rIns="91440" bIns="45720" rtlCol="0" anchor="ctr"/>
+          <a:lstStyle/>
+          <a:p>
+            <a:endParaRPr lang="en-US"/>
+          </a:p>
+        </p:txBody>
+      </p:sp>
+      <p:sp>
+        <p:nvSpPr>
+          <p:cNvPr id="5" name="Notes Placeholder 4"/>
+          <p:cNvSpPr>
+            <a:spLocks noGrp="1"/>
+          </p:cNvSpPr>
+          <p:nvPr>
+            <p:ph type="body" sz="quarter" idx="3"/>
+          </p:nvPr>
+        </p:nvSpPr>
+        <p:spPr>
+          <a:xfrm>
+            <a:off x="685800" y="4343400"/>
+            <a:ext cx="5486400" cy="4114800"/>
+          </a:xfrm>
+          <a:prstGeom prst="rect">
+            <a:avLst/>
+          </a:prstGeom>
+        </p:spPr>
+        <p:txBody>
+          <a:bodyPr vert="horz" lIns="91440" tIns="45720" rIns="91440" bIns="45720" rtlCol="0">
+            <a:normAutofit/>
+          </a:bodyPr>
+          <a:lstStyle/>
+          <a:p>
+            <a:pPr lvl="0"/>
+            <a:r>
+              <a:rPr lang="en-US" smtClean="0"/>
+              <a:t>Click to edit Master text styles</a:t>
+            </a:r>
+          </a:p>
+          <a:p>
+            <a:pPr lvl="1"/>
+            <a:r>
+              <a:rPr lang="en-US" smtClean="0"/>
+              <a:t>Second level</a:t>
+            </a:r>
+          </a:p>
+          <a:p>
+            <a:pPr lvl="2"/>
+            <a:r>
+              <a:rPr lang="en-US" smtClean="0"/>
+              <a:t>Third level</a:t>
+            </a:r>
+          </a:p>
+          <a:p>
+            <a:pPr lvl="3"/>
+            <a:r>
+              <a:rPr lang="en-US" smtClean="0"/>
+              <a:t>Fourth level</a:t>
+            </a:r>
+          </a:p>
+          <a:p>
+            <a:pPr lvl="4"/>
+            <a:r>
+              <a:rPr lang="en-US" smtClean="0"/>
+              <a:t>Fifth level</a:t>
+            </a:r>
+            <a:endParaRPr lang="en-US"/>
+          </a:p>
+        </p:txBody>
+      </p:sp>
+      <p:sp>
+        <p:nvSpPr>
+          <p:cNvPr id="6" name="Footer Placeholder 5"/>
+          <p:cNvSpPr>
+            <a:spLocks noGrp="1"/>
+          </p:cNvSpPr>
+          <p:nvPr>
+            <p:ph type="ftr" sz="quarter" idx="4"/>
+          </p:nvPr>
+        </p:nvSpPr>
+        <p:spPr>
+          <a:xfrm>
+            <a:off x="0" y="8685213"/>
+            <a:ext cx="2971800" cy="457200"/>
+          </a:xfrm>
+          <a:prstGeom prst="rect">
+            <a:avLst/>
+          </a:prstGeom>
+        </p:spPr>
+        <p:txBody>
+          <a:bodyPr vert="horz" lIns="91440" tIns="45720" rIns="91440" bIns="45720" rtlCol="0" anchor="b"/>
+          <a:lstStyle>
+            <a:lvl1pPr algn="l">
+              <a:defRPr sz="1200"/>
+            </a:lvl1pPr>
+          </a:lstStyle>
+          <a:p>
+            <a:endParaRPr lang="en-US"/>
+          </a:p>
+        </p:txBody>
+      </p:sp>
+      <p:sp>
+        <p:nvSpPr>
+          <p:cNvPr id="7" name="Slide Number Placeholder 6"/>
+          <p:cNvSpPr>
+            <a:spLocks noGrp="1"/>
+          </p:cNvSpPr>
+          <p:nvPr>
+            <p:ph type="sldNum" sz="quarter" idx="5"/>
+          </p:nvPr>
+        </p:nvSpPr>
+        <p:spPr>
+          <a:xfrm>
+            <a:off x="3884613" y="8685213"/>
+            <a:ext cx="2971800" cy="457200"/>
+          </a:xfrm>
+          <a:prstGeom prst="rect">
+            <a:avLst/>
+          </a:prstGeom>
+        </p:spPr>
+        <p:txBody>
+          <a:bodyPr vert="horz" lIns="91440" tIns="45720" rIns="91440" bIns="45720" rtlCol="0" anchor="b"/>
+          <a:lstStyle>
+            <a:lvl1pPr algn="r">
+              <a:defRPr sz="1200"/>
+            </a:lvl1pPr>
+          </a:lstStyle>
+          <a:p>
+            <a:fld id="{07741347-1A12-47E9-8AF2-8AF571892DD5}" type="slidenum">
+              <a:rPr lang="en-US" smtClean="0"/>
+              <a:t>‹#›</a:t>
+            </a:fld>
+            <a:endParaRPr lang="en-US"/>
+          </a:p>
+        </p:txBody>
+      </p:sp>
+    </p:spTree>
+  </p:cSld>
+  <p:clrMap bg1="lt1" tx1="dk1" bg2="lt2" tx2="dk2" accent1="accent1" accent2="accent2" accent3="accent3" accent4="accent4" accent5="accent5" accent6="accent6" hlink="hlink" folHlink="folHlink"/>
+  <p:notesStyle>
+    <a:lvl1pPr marL="0" algn="l" defTabSz="914400" rtl="0" eaLnBrk="1" latinLnBrk="0" hangingPunct="1">
+      <a:defRPr sz="1200" kern="1200">
+        <a:solidFill>
+          <a:schemeClr val="tx1"/>
+        </a:solidFill>
+        <a:latin typeface="+mn-lt"/>
+        <a:ea typeface="+mn-ea"/>
+        <a:cs typeface="+mn-cs"/>
+      </a:defRPr>
+    </a:lvl1pPr>
+    <a:lvl2pPr marL="457200" algn="l" defTabSz="914400" rtl="0" eaLnBrk="1" latinLnBrk="0" hangingPunct="1">
+      <a:defRPr sz="1200" kern="1200">
+        <a:solidFill>
+          <a:schemeClr val="tx1"/>
+        </a:solidFill>
+        <a:latin typeface="+mn-lt"/>
+        <a:ea typeface="+mn-ea"/>
+        <a:cs typeface="+mn-cs"/>
+      </a:defRPr>
+    </a:lvl2pPr>
+    <a:lvl3pPr marL="914400" algn="l" defTabSz="914400" rtl="0" eaLnBrk="1" latinLnBrk="0" hangingPunct="1">
+      <a:defRPr sz="1200" kern="1200">
+        <a:solidFill>
+          <a:schemeClr val="tx1"/>
+        </a:solidFill>
+        <a:latin typeface="+mn-lt"/>
+        <a:ea typeface="+mn-ea"/>
+        <a:cs typeface="+mn-cs"/>
+      </a:defRPr>
+    </a:lvl3pPr>
+    <a:lvl4pPr marL="1371600" algn="l" defTabSz="914400" rtl="0" eaLnBrk="1" latinLnBrk="0" hangingPunct="1">
+      <a:defRPr sz="1200" kern="1200">
+        <a:solidFill>
+          <a:schemeClr val="tx1"/>
+        </a:solidFill>
+        <a:latin typeface="+mn-lt"/>
+        <a:ea typeface="+mn-ea"/>
+        <a:cs typeface="+mn-cs"/>
+      </a:defRPr>
+    </a:lvl4pPr>
+    <a:lvl5pPr marL="1828800" algn="l" defTabSz="914400" rtl="0" eaLnBrk="1" latinLnBrk="0" hangingPunct="1">
+      <a:defRPr sz="1200" kern="1200">
+        <a:solidFill>
+          <a:schemeClr val="tx1"/>
+        </a:solidFill>
+        <a:latin typeface="+mn-lt"/>
+        <a:ea typeface="+mn-ea"/>
+        <a:cs typeface="+mn-cs"/>
+      </a:defRPr>
+    </a:lvl5pPr>
+    <a:lvl6pPr marL="2286000" algn="l" defTabSz="914400" rtl="0" eaLnBrk="1" latinLnBrk="0" hangingPunct="1">
+      <a:defRPr sz="1200" kern="1200">
+        <a:solidFill>
+          <a:schemeClr val="tx1"/>
+        </a:solidFill>
+        <a:latin typeface="+mn-lt"/>
+        <a:ea typeface="+mn-ea"/>
+        <a:cs typeface="+mn-cs"/>
+      </a:defRPr>
+    </a:lvl6pPr>
+    <a:lvl7pPr marL="2743200" algn="l" defTabSz="914400" rtl="0" eaLnBrk="1" latinLnBrk="0" hangingPunct="1">
+      <a:defRPr sz="1200" kern="1200">
+        <a:solidFill>
+          <a:schemeClr val="tx1"/>
+        </a:solidFill>
+        <a:latin typeface="+mn-lt"/>
+        <a:ea typeface="+mn-ea"/>
+        <a:cs typeface="+mn-cs"/>
+      </a:defRPr>
+    </a:lvl7pPr>
+    <a:lvl8pPr marL="3200400" algn="l" defTabSz="914400" rtl="0" eaLnBrk="1" latinLnBrk="0" hangingPunct="1">
+      <a:defRPr sz="1200" kern="1200">
+        <a:solidFill>
+          <a:schemeClr val="tx1"/>
+        </a:solidFill>
+        <a:latin typeface="+mn-lt"/>
+        <a:ea typeface="+mn-ea"/>
+        <a:cs typeface="+mn-cs"/>
+      </a:defRPr>
+    </a:lvl8pPr>
+    <a:lvl9pPr marL="3657600" algn="l" defTabSz="914400" rtl="0" eaLnBrk="1" latinLnBrk="0" hangingPunct="1">
+      <a:defRPr sz="1200" kern="1200">
+        <a:solidFill>
+          <a:schemeClr val="tx1"/>
+        </a:solidFill>
+        <a:latin typeface="+mn-lt"/>
+        <a:ea typeface="+mn-ea"/>
+        <a:cs typeface="+mn-cs"/>
+      </a:defRPr>
+    </a:lvl9pPr>
+  </p:notesStyle>
+</p:notesMaster>
+</file>
+
+<file path=ppt/notesSlides/notesSlide1.xml><?xml version="1.0" encoding="utf-8"?>
+<p:notes xmlns:a="http://schemas.openxmlformats.org/drawingml/2006/main" xmlns:r="http://schemas.openxmlformats.org/officeDocument/2006/relationships" xmlns:p="http://schemas.openxmlformats.org/presentationml/2006/main">
+  <p:cSld>
+    <p:spTree>
+      <p:nvGrpSpPr>
+        <p:cNvPr id="1" name=""/>
+        <p:cNvGrpSpPr/>
+        <p:nvPr/>
+      </p:nvGrpSpPr>
+      <p:grpSpPr>
+        <a:xfrm>
+          <a:off x="0" y="0"/>
+          <a:ext cx="0" cy="0"/>
+          <a:chOff x="0" y="0"/>
+          <a:chExt cx="0" cy="0"/>
+        </a:xfrm>
+      </p:grpSpPr>
+      <p:sp>
+        <p:nvSpPr>
+          <p:cNvPr id="2" name="Slide Image Placeholder 1"/>
+          <p:cNvSpPr>
+            <a:spLocks noGrp="1" noRot="1" noChangeAspect="1"/>
+          </p:cNvSpPr>
+          <p:nvPr>
+            <p:ph type="sldImg"/>
+          </p:nvPr>
+        </p:nvSpPr>
+        <p:spPr/>
+      </p:sp>
+      <p:sp>
+        <p:nvSpPr>
+          <p:cNvPr id="3" name="Notes Placeholder 2"/>
+          <p:cNvSpPr>
+            <a:spLocks noGrp="1"/>
+          </p:cNvSpPr>
+          <p:nvPr>
+            <p:ph type="body" idx="1"/>
+          </p:nvPr>
+        </p:nvSpPr>
+        <p:spPr/>
+        <p:txBody>
+          <a:bodyPr>
+            <a:normAutofit/>
+          </a:bodyPr>
+          <a:lstStyle/>
+          <a:p>
+            <a:r>
+              <a:rPr lang="en-US" dirty="0" smtClean="0"/>
+              <a:t>Research proxy to </a:t>
+            </a:r>
+            <a:r>
+              <a:rPr lang="en-US" dirty="0" err="1" smtClean="0"/>
+              <a:t>ishaan</a:t>
+            </a:r>
+            <a:r>
+              <a:rPr lang="en-US" smtClean="0"/>
+              <a:t> sir</a:t>
+            </a:r>
+            <a:endParaRPr lang="en-US"/>
+          </a:p>
+        </p:txBody>
+      </p:sp>
+      <p:sp>
+        <p:nvSpPr>
+          <p:cNvPr id="4" name="Slide Number Placeholder 3"/>
+          <p:cNvSpPr>
+            <a:spLocks noGrp="1"/>
+          </p:cNvSpPr>
+          <p:nvPr>
+            <p:ph type="sldNum" sz="quarter" idx="10"/>
+          </p:nvPr>
+        </p:nvSpPr>
+        <p:spPr/>
+        <p:txBody>
+          <a:bodyPr/>
+          <a:lstStyle/>
+          <a:p>
+            <a:fld id="{07741347-1A12-47E9-8AF2-8AF571892DD5}" type="slidenum">
+              <a:rPr lang="en-US" smtClean="0"/>
+              <a:t>1</a:t>
+            </a:fld>
+            <a:endParaRPr lang="en-US"/>
+          </a:p>
+        </p:txBody>
+      </p:sp>
+    </p:spTree>
+  </p:cSld>
+  <p:clrMapOvr>
+    <a:masterClrMapping/>
+  </p:clrMapOvr>
+</p:notes>
 </file>
 
 <file path=ppt/slideLayouts/slideLayout1.xml><?xml version="1.0" encoding="utf-8"?>
@@ -3125,19 +3568,15 @@
           <a:p>
             <a:r>
               <a:rPr lang="en-US" sz="1600" dirty="0" smtClean="0"/>
-              <a:t>The </a:t>
+              <a:t>The current reference genome assembly works as the foundation for all genomic data and databases. It provides a platform for genome assembly, variant calling (check the variation </a:t>
             </a:r>
             <a:r>
               <a:rPr lang="en-US" sz="1600" dirty="0" smtClean="0"/>
-              <a:t>current reference genome assembly works as the foundation for all genomic data and databases. It provides a platform for genome assembly, variant calling (check the variation </a:t>
-            </a:r>
-            <a:r>
-              <a:rPr lang="en-US" sz="1600" dirty="0" err="1" smtClean="0"/>
-              <a:t>inbetween</a:t>
+              <a:t>in between </a:t>
             </a:r>
             <a:r>
               <a:rPr lang="en-US" sz="1600" dirty="0" smtClean="0"/>
-              <a:t> two individuals), RNA or other sequencing read alignment, gene annotation, and functional analysis. </a:t>
+              <a:t>two individuals), RNA or other sequencing read alignment, gene annotation, and functional analysis. </a:t>
             </a:r>
           </a:p>
           <a:p>
@@ -3151,7 +3590,33 @@
             </a:r>
             <a:r>
               <a:rPr lang="en-US" sz="1600" dirty="0" smtClean="0"/>
-              <a:t> reads are typically mapped to the reference genome</a:t>
+              <a:t> reads are typically mapped to the reference genome.</a:t>
+            </a:r>
+          </a:p>
+          <a:p>
+            <a:r>
+              <a:rPr lang="en-US" sz="1600" dirty="0" smtClean="0"/>
+              <a:t>The latest build of the human reference genome, officially named GRCh38 (for Genome Research Consortium human build 38) but commonly nicknamed Hg38 (for Human genome build 38), greatly expanded the list of ALT </a:t>
+            </a:r>
+            <a:r>
+              <a:rPr lang="en-US" sz="1600" dirty="0" err="1" smtClean="0"/>
+              <a:t>contigs</a:t>
+            </a:r>
+            <a:r>
+              <a:rPr lang="en-US" sz="1600" dirty="0" smtClean="0"/>
+              <a:t> (For diverging </a:t>
+            </a:r>
+            <a:r>
+              <a:rPr lang="en-US" sz="1600" dirty="0" err="1" smtClean="0"/>
+              <a:t>haplotypes</a:t>
+            </a:r>
+            <a:r>
+              <a:rPr lang="en-US" sz="1600" dirty="0" smtClean="0"/>
+              <a:t>). This have a significant impact on our power to detect and analyze genomic variation that is specific to populations that carry alternate </a:t>
+            </a:r>
+            <a:r>
+              <a:rPr lang="en-US" sz="1600" dirty="0" err="1" smtClean="0"/>
+              <a:t>haplotypes</a:t>
             </a:r>
             <a:r>
               <a:rPr lang="en-US" sz="1600" dirty="0" smtClean="0"/>
@@ -3160,49 +3625,6 @@
           </a:p>
           <a:p>
             <a:r>
-              <a:rPr lang="en-US" sz="1600" dirty="0" smtClean="0"/>
-              <a:t>The latest build of the human reference genome, officially named GRCh38 (for Genome Research Consortium human build 38) but commonly nicknamed Hg38 (for Human genome build 38), greatly expanded the </a:t>
-            </a:r>
-            <a:r>
-              <a:rPr lang="en-US" sz="1600" dirty="0" smtClean="0"/>
-              <a:t>list of </a:t>
-            </a:r>
-            <a:r>
-              <a:rPr lang="en-US" sz="1600" dirty="0" smtClean="0"/>
-              <a:t>ALT </a:t>
-            </a:r>
-            <a:r>
-              <a:rPr lang="en-US" sz="1600" dirty="0" err="1" smtClean="0"/>
-              <a:t>contigs</a:t>
-            </a:r>
-            <a:r>
-              <a:rPr lang="en-US" sz="1600" dirty="0" smtClean="0"/>
-              <a:t> (For diverging </a:t>
-            </a:r>
-            <a:r>
-              <a:rPr lang="en-US" sz="1600" dirty="0" err="1" smtClean="0"/>
-              <a:t>haplotypes</a:t>
-            </a:r>
-            <a:r>
-              <a:rPr lang="en-US" sz="1600" dirty="0" smtClean="0"/>
-              <a:t>). This </a:t>
-            </a:r>
-            <a:r>
-              <a:rPr lang="en-US" sz="1600" dirty="0" smtClean="0"/>
-              <a:t>have a significant impact on our power to detect and analyze genomic variation that is specific to populations that carry alternate </a:t>
-            </a:r>
-            <a:r>
-              <a:rPr lang="en-US" sz="1600" dirty="0" err="1" smtClean="0"/>
-              <a:t>haplotypes</a:t>
-            </a:r>
-            <a:r>
-              <a:rPr lang="en-US" sz="1600" dirty="0" smtClean="0"/>
-              <a:t>.</a:t>
-            </a:r>
-            <a:endParaRPr lang="en-US" sz="1600" dirty="0" smtClean="0"/>
-          </a:p>
-          <a:p>
-            <a:r>
               <a:rPr lang="en-US" sz="1600" b="1" dirty="0" err="1" smtClean="0"/>
               <a:t>Haplotype</a:t>
             </a:r>
@@ -3220,23 +3642,7 @@
             </a:r>
             <a:r>
               <a:rPr lang="en-US" sz="1600" dirty="0" smtClean="0"/>
-              <a:t> is in its most general sense referring to a set of DNA variations along a chromosome that tend to be inherited together because they're very close together</a:t>
-            </a:r>
-            <a:r>
-              <a:rPr lang="en-US" sz="1600" dirty="0" smtClean="0"/>
-              <a:t>. </a:t>
-            </a:r>
-            <a:r>
-              <a:rPr lang="en-US" sz="1600" dirty="0" smtClean="0"/>
-              <a:t>T</a:t>
-            </a:r>
-            <a:r>
-              <a:rPr lang="en-US" sz="1600" dirty="0" smtClean="0"/>
-              <a:t>hese </a:t>
-            </a:r>
-            <a:r>
-              <a:rPr lang="en-US" sz="1600" dirty="0" smtClean="0"/>
-              <a:t>are variations in the DNA that are so close together that they tend not to recombine, and therefore tend to be passed down through the generations together.</a:t>
+              <a:t> is in its most general sense referring to a set of DNA variations along a chromosome that tend to be inherited together because they're very close together. These are variations in the DNA that are so close together that they tend not to recombine, and therefore tend to be passed down through the generations together.</a:t>
             </a:r>
             <a:endParaRPr lang="en-US" sz="1600" b="1" dirty="0" smtClean="0"/>
           </a:p>
@@ -3651,23 +4057,7 @@
             </a:r>
             <a:r>
               <a:rPr lang="en-US" sz="1800" dirty="0" smtClean="0"/>
-              <a:t> data structure, </a:t>
-            </a:r>
-            <a:r>
-              <a:rPr lang="en-US" sz="1800" dirty="0" smtClean="0"/>
-              <a:t>Genome graph </a:t>
-            </a:r>
-            <a:r>
-              <a:rPr lang="en-US" sz="1800" dirty="0" smtClean="0"/>
-              <a:t>can enable the improved analysis of </a:t>
-            </a:r>
-            <a:r>
-              <a:rPr lang="en-US" sz="1800" dirty="0" smtClean="0"/>
-              <a:t>structurally </a:t>
-            </a:r>
-            <a:r>
-              <a:rPr lang="en-US" sz="1800" dirty="0" smtClean="0"/>
-              <a:t>variable and </a:t>
+              <a:t> data structure, Genome graph can enable the improved analysis of structurally variable and </a:t>
             </a:r>
             <a:r>
               <a:rPr lang="en-US" sz="1800" dirty="0" err="1" smtClean="0"/>
@@ -3675,49 +4065,20 @@
             </a:r>
             <a:r>
               <a:rPr lang="en-US" sz="1800" dirty="0" smtClean="0"/>
-              <a:t> regions of the </a:t>
-            </a:r>
-            <a:r>
-              <a:rPr lang="en-US" sz="1800" dirty="0" smtClean="0"/>
-              <a:t>genome;</a:t>
-            </a:r>
-          </a:p>
-          <a:p>
-            <a:r>
-              <a:rPr lang="en-US" sz="1800" dirty="0" smtClean="0"/>
-              <a:t>Instead </a:t>
-            </a:r>
-            <a:r>
-              <a:rPr lang="en-US" sz="1800" dirty="0" smtClean="0"/>
-              <a:t>of mapping reads to a single reference genome, it is now possible to map reads to a reference genome </a:t>
-            </a:r>
-            <a:r>
-              <a:rPr lang="en-US" sz="1800" dirty="0" smtClean="0"/>
-              <a:t>graph. </a:t>
-            </a:r>
-            <a:r>
-              <a:rPr lang="en-US" sz="1800" dirty="0" smtClean="0"/>
-              <a:t>A reference genome graph can be thought of as a data structure that provides a unified representation of multiple genomes from the same species</a:t>
-            </a:r>
-            <a:r>
-              <a:rPr lang="en-US" sz="1800" dirty="0" smtClean="0"/>
-              <a:t>. </a:t>
-            </a:r>
-          </a:p>
-          <a:p>
-            <a:r>
-              <a:rPr lang="en-US" sz="1800" dirty="0" smtClean="0"/>
-              <a:t>Technically, a genome graph is an acyclic or cyclic graph structure with nucleotide-labeled edges or nodes; each input genome can typically be reconstructed as a traversal of the graph, and nodes with more than one incoming or outgoing edge represent transition points between the input genomes.</a:t>
-            </a:r>
-            <a:r>
-              <a:rPr lang="en-US" sz="1800" dirty="0" smtClean="0"/>
-              <a:t> </a:t>
-            </a:r>
-            <a:r>
-              <a:rPr lang="en-US" sz="1800" dirty="0" smtClean="0"/>
-              <a:t> </a:t>
-            </a:r>
-            <a:endParaRPr lang="en-US" sz="1800" dirty="0" smtClean="0"/>
+              <a:t> regions of the genome;</a:t>
+            </a:r>
+          </a:p>
+          <a:p>
+            <a:r>
+              <a:rPr lang="en-US" sz="1800" dirty="0" smtClean="0"/>
+              <a:t>Instead of mapping reads to a single reference genome, it is now possible to map reads to a reference genome graph. A reference genome graph can be thought of as a data structure that provides a unified representation of multiple genomes from the same species. </a:t>
+            </a:r>
+          </a:p>
+          <a:p>
+            <a:r>
+              <a:rPr lang="en-US" sz="1800" dirty="0" smtClean="0"/>
+              <a:t>Technically, a genome graph is an acyclic or cyclic graph structure with nucleotide-labeled edges or nodes; each input genome can typically be reconstructed as a traversal of the graph, and nodes with more than one incoming or outgoing edge represent transition points between the input genomes.  </a:t>
+            </a:r>
           </a:p>
           <a:p>
             <a:r>
@@ -3734,11 +4095,7 @@
             </a:r>
             <a:r>
               <a:rPr lang="en-US" sz="1800" dirty="0" smtClean="0"/>
-              <a:t>. Constructed </a:t>
-            </a:r>
-            <a:r>
-              <a:rPr lang="en-US" sz="1800" dirty="0" smtClean="0"/>
-              <a:t>graphs are represented in VCF format, which enables them to be used with any of the established genome-wide graph toolkits.</a:t>
+              <a:t>. Constructed graphs are represented in VCF format, which enables them to be used with any of the established genome-wide graph toolkits.</a:t>
             </a:r>
             <a:endParaRPr lang="en-US" sz="1800" dirty="0"/>
           </a:p>
@@ -3831,15 +4188,7 @@
             </a:r>
             <a:r>
               <a:rPr lang="en-US" sz="1800" dirty="0" smtClean="0"/>
-              <a:t> pipeline </a:t>
-            </a:r>
-            <a:r>
-              <a:rPr lang="en-US" sz="1800" dirty="0" smtClean="0"/>
-              <a:t>for </a:t>
-            </a:r>
-            <a:r>
-              <a:rPr lang="en-US" sz="1800" dirty="0" smtClean="0"/>
-              <a:t>constructing a genome graph from a set of assembly </a:t>
+              <a:t> pipeline for constructing a genome graph from a set of assembly </a:t>
             </a:r>
             <a:r>
               <a:rPr lang="en-US" sz="1800" dirty="0" err="1" smtClean="0"/>
@@ -3847,13 +4196,8 @@
             </a:r>
             <a:r>
               <a:rPr lang="en-US" sz="1800" dirty="0" smtClean="0"/>
-              <a:t> consists of the following </a:t>
-            </a:r>
-            <a:r>
-              <a:rPr lang="en-US" sz="1800" dirty="0" smtClean="0"/>
-              <a:t>steps:</a:t>
-            </a:r>
-            <a:endParaRPr lang="en-US" sz="1800" dirty="0" smtClean="0"/>
+              <a:t> consists of the following steps:</a:t>
+            </a:r>
           </a:p>
           <a:p>
             <a:pPr>
@@ -3861,11 +4205,7 @@
             </a:pPr>
             <a:r>
               <a:rPr lang="en-US" sz="1800" dirty="0" smtClean="0"/>
-              <a:t>       1</a:t>
-            </a:r>
-            <a:r>
-              <a:rPr lang="en-US" sz="1800" dirty="0" smtClean="0"/>
-              <a:t>. For each input </a:t>
+              <a:t>       1. For each input </a:t>
             </a:r>
             <a:r>
               <a:rPr lang="en-US" sz="1800" dirty="0" err="1" smtClean="0"/>
@@ -3898,11 +4238,7 @@
             </a:pPr>
             <a:r>
               <a:rPr lang="en-US" sz="1800" dirty="0" smtClean="0"/>
-              <a:t>       2</a:t>
-            </a:r>
-            <a:r>
-              <a:rPr lang="en-US" sz="1800" dirty="0" smtClean="0"/>
-              <a:t>. Compute an approximate global multiple sequence alignment (MSA) between all input </a:t>
+              <a:t>       2. Compute an approximate global multiple sequence alignment (MSA) between all input </a:t>
             </a:r>
             <a:r>
               <a:rPr lang="en-US" sz="1800" dirty="0" err="1" smtClean="0"/>
@@ -3935,11 +4271,7 @@
             </a:pPr>
             <a:r>
               <a:rPr lang="en-US" sz="1800" dirty="0" smtClean="0"/>
-              <a:t>       3</a:t>
-            </a:r>
-            <a:r>
-              <a:rPr lang="en-US" sz="1800" dirty="0" smtClean="0"/>
-              <a:t>. Compute a directed acyclic graph (DAG) from the global MSA, connecting </a:t>
+              <a:t>       3. Compute a directed acyclic graph (DAG) from the global MSA, connecting </a:t>
             </a:r>
             <a:r>
               <a:rPr lang="en-US" sz="1800" dirty="0" err="1" smtClean="0"/>
@@ -3953,27 +4285,7 @@
           <a:p>
             <a:r>
               <a:rPr lang="en-US" sz="1800" dirty="0" smtClean="0"/>
-              <a:t> </a:t>
-            </a:r>
-            <a:r>
-              <a:rPr lang="en-US" sz="1800" dirty="0" smtClean="0"/>
-              <a:t>“Mosaic</a:t>
-            </a:r>
-            <a:r>
-              <a:rPr lang="en-US" sz="1800" dirty="0" smtClean="0"/>
-              <a:t>” genome</a:t>
-            </a:r>
-            <a:r>
-              <a:rPr lang="en-US" sz="1800" dirty="0" smtClean="0"/>
-              <a:t>— that </a:t>
-            </a:r>
-            <a:r>
-              <a:rPr lang="en-US" sz="1800" dirty="0" smtClean="0"/>
-              <a:t>is, a path through the graph which was not observed in </a:t>
-            </a:r>
-            <a:r>
-              <a:rPr lang="en-US" sz="1800" dirty="0" smtClean="0"/>
-              <a:t>           </a:t>
+              <a:t> “Mosaic” genome— that is, a path through the graph which was not observed in            </a:t>
             </a:r>
             <a:r>
               <a:rPr lang="en-US" sz="1800" smtClean="0"/>
@@ -4490,7 +4802,6 @@
               <a:rPr lang="en-US" sz="1800" dirty="0" smtClean="0"/>
               <a:t>Short read DNA sequencing, approach involves reading the sequence of tens of millions of short (100-200 base pair) DNA fragments, then assembling these “reads” into longer contiguous sequences. Assembly typically involves mapping an individual read to a unique region of the standard reference human genome. </a:t>
             </a:r>
-            <a:endParaRPr lang="en-US" sz="1800" dirty="0" smtClean="0"/>
           </a:p>
           <a:p>
             <a:r>
@@ -4505,7 +4816,6 @@
               <a:rPr lang="en-US" sz="1800" dirty="0" smtClean="0"/>
               <a:t>,” is not enough. One has to ensure that the assembled sequence does indeed resemble what is truly present in the cell. Some common hurdles are low coverage areas, false positive read-read alignments, false negative alignments, poor sequence quality, polymorphism, and repeated regions of the genome.</a:t>
             </a:r>
-            <a:endParaRPr lang="en-US" sz="1800" dirty="0" smtClean="0"/>
           </a:p>
           <a:p>
             <a:r>
@@ -4622,23 +4932,7 @@
             </a:r>
             <a:r>
               <a:rPr lang="en-US" sz="1800" dirty="0" smtClean="0"/>
-              <a:t> </a:t>
-            </a:r>
-            <a:r>
-              <a:rPr lang="en-US" sz="1800" dirty="0" smtClean="0"/>
-              <a:t>approach. </a:t>
-            </a:r>
-            <a:r>
-              <a:rPr lang="en-US" sz="1800" dirty="0" smtClean="0"/>
-              <a:t>Roche’s approach, referred to as “sequencing by synthesis” (SS), takes one DNA strand as a template and then uses it to synthesize the sequence of its complementary strand. Roche’s SS uses four polymerase enzymes to extend several DNA strands in parallel. Whenever a nucleotide attaches itself onto template DNA, a pyrophosphate molecule is produced which emits light when </a:t>
-            </a:r>
-            <a:r>
-              <a:rPr lang="en-US" sz="1800" dirty="0" smtClean="0"/>
-              <a:t>triggered. </a:t>
-            </a:r>
-            <a:r>
-              <a:rPr lang="en-US" sz="1800" dirty="0" smtClean="0"/>
-              <a:t>The bioluminescence produced by these bases helps in recognizing the bases and, therefore, the sequence. Some characteristics of Roche sequencing include its automated procedures and high speed, while some drawbacks are lower read accuracy for </a:t>
+              <a:t> approach. Roche’s approach, referred to as “sequencing by synthesis” (SS), takes one DNA strand as a template and then uses it to synthesize the sequence of its complementary strand. Roche’s SS uses four polymerase enzymes to extend several DNA strands in parallel. Whenever a nucleotide attaches itself onto template DNA, a pyrophosphate molecule is produced which emits light when triggered. The bioluminescence produced by these bases helps in recognizing the bases and, therefore, the sequence. Some characteristics of Roche sequencing include its automated procedures and high speed, while some drawbacks are lower read accuracy for </a:t>
             </a:r>
             <a:r>
               <a:rPr lang="en-US" sz="1800" dirty="0" err="1" smtClean="0"/>
@@ -4646,11 +4940,7 @@
             </a:r>
             <a:r>
               <a:rPr lang="en-US" sz="1800" dirty="0" smtClean="0"/>
-              <a:t> segments of identical bases and relatively high operating </a:t>
-            </a:r>
-            <a:r>
-              <a:rPr lang="en-US" sz="1800" dirty="0" smtClean="0"/>
-              <a:t>costs.</a:t>
+              <a:t> segments of identical bases and relatively high operating costs.</a:t>
             </a:r>
           </a:p>
           <a:p>
@@ -4684,15 +4974,7 @@
             </a:r>
             <a:r>
               <a:rPr lang="en-US" sz="1800" dirty="0" smtClean="0"/>
-              <a:t> are detected by highly sensitive CCD </a:t>
-            </a:r>
-            <a:r>
-              <a:rPr lang="en-US" sz="1800" dirty="0" smtClean="0"/>
-              <a:t>cameras. Its </a:t>
-            </a:r>
-            <a:r>
-              <a:rPr lang="en-US" sz="1800" dirty="0" smtClean="0"/>
-              <a:t>characteristic short read lengths (&lt;300 </a:t>
+              <a:t> are detected by highly sensitive CCD cameras. Its characteristic short read lengths (&lt;300 </a:t>
             </a:r>
             <a:r>
               <a:rPr lang="en-US" sz="1800" dirty="0" err="1" smtClean="0"/>
@@ -4797,15 +5079,7 @@
             </a:r>
             <a:r>
               <a:rPr lang="en-US" sz="1800" dirty="0" smtClean="0"/>
-              <a:t> (</a:t>
-            </a:r>
-            <a:r>
-              <a:rPr lang="en-US" sz="1800" dirty="0" smtClean="0"/>
-              <a:t>fluorescent compound with an excitation peak at 482 nm</a:t>
-            </a:r>
-            <a:r>
-              <a:rPr lang="en-US" sz="1800" dirty="0" smtClean="0"/>
-              <a:t>) fluorescent labeled octaoligonucleotide adaptors which link the template DNA and are bound with 1 </a:t>
+              <a:t> (fluorescent compound with an excitation peak at 482 nm) fluorescent labeled octaoligonucleotide adaptors which link the template DNA and are bound with 1 </a:t>
             </a:r>
             <a:r>
               <a:rPr lang="en-US" sz="1800" i="1" dirty="0" smtClean="0"/>
@@ -4851,27 +5125,7 @@
           <a:p>
             <a:r>
               <a:rPr lang="en-US" sz="1800" dirty="0" smtClean="0"/>
-              <a:t>Ion Proton and Ion PGM, </a:t>
-            </a:r>
-            <a:r>
-              <a:rPr lang="en-US" sz="1800" dirty="0" smtClean="0"/>
-              <a:t>both </a:t>
-            </a:r>
-            <a:r>
-              <a:rPr lang="en-US" sz="1800" dirty="0" smtClean="0"/>
-              <a:t>use SS amplification and hydrogen ion sensing semiconductors </a:t>
-            </a:r>
-            <a:r>
-              <a:rPr lang="en-US" sz="1800" dirty="0" smtClean="0"/>
-              <a:t>. </a:t>
-            </a:r>
-            <a:r>
-              <a:rPr lang="en-US" sz="1800" dirty="0" smtClean="0"/>
-              <a:t>The sequence is obtained by sensing hydrogen ions emitted when nucleotides incorporate themselves onto template DNA, a process catalyzed by DNA polymerase. Massively parallel transistor-based integrated circuits with about two million wells allow simultaneous detection of multiple reactions. Furthermore, signal processing tools translate voltage fluctuations into base calls for successive </a:t>
-            </a:r>
-            <a:r>
-              <a:rPr lang="en-US" sz="1800" dirty="0" smtClean="0"/>
-              <a:t>nucleotides. Error rate is 1%.</a:t>
+              <a:t>Ion Proton and Ion PGM, both use SS amplification and hydrogen ion sensing semiconductors . The sequence is obtained by sensing hydrogen ions emitted when nucleotides incorporate themselves onto template DNA, a process catalyzed by DNA polymerase. Massively parallel transistor-based integrated circuits with about two million wells allow simultaneous detection of multiple reactions. Furthermore, signal processing tools translate voltage fluctuations into base calls for successive nucleotides. Error rate is 1%.</a:t>
             </a:r>
           </a:p>
           <a:p>
@@ -4881,19 +5135,7 @@
             </a:r>
             <a:r>
               <a:rPr lang="en-US" sz="1800" dirty="0" smtClean="0"/>
-              <a:t> SMRT (single molecule real time) sequencing is one of the most commonly used third-generation sequencing technologies</a:t>
-            </a:r>
-            <a:r>
-              <a:rPr lang="en-US" sz="1800" dirty="0" smtClean="0"/>
-              <a:t>. </a:t>
-            </a:r>
-            <a:r>
-              <a:rPr lang="en-US" sz="1800" dirty="0" smtClean="0"/>
-              <a:t>SMRT Sequencing technology requires no PCR amplification and the read length is 100 times longer than that of NGS</a:t>
-            </a:r>
-            <a:r>
-              <a:rPr lang="en-US" sz="1800" dirty="0" smtClean="0"/>
-              <a:t>.</a:t>
+              <a:t> SMRT (single molecule real time) sequencing is one of the most commonly used third-generation sequencing technologies. SMRT Sequencing technology requires no PCR amplification and the read length is 100 times longer than that of NGS.</a:t>
             </a:r>
           </a:p>
         </p:txBody>
@@ -4981,11 +5223,7 @@
             </a:r>
             <a:r>
               <a:rPr lang="en-US" sz="1800" dirty="0" smtClean="0"/>
-              <a:t> SMRT Sequencing uses the innovation of ZMW to distinguish the ideal fluorescent signal from the strong fluorescent backgrounds caused by unincorporated free-floating nucleotides. The binding of a DNA polymerase and the template DNA strand is anchored to the bottom glass surface of a ZMW. Laser light travels through the bottom surface of a ZMW and not completely penetrates it, since the ZMW dimensions are smaller than the wavelength of the light. Therefore, it allows selective excitation and identification of light emitted from nucleotides recruited for base elongation</a:t>
-            </a:r>
-            <a:r>
-              <a:rPr lang="en-US" sz="1800" dirty="0" smtClean="0"/>
-              <a:t>.</a:t>
+              <a:t> SMRT Sequencing uses the innovation of ZMW to distinguish the ideal fluorescent signal from the strong fluorescent backgrounds caused by unincorporated free-floating nucleotides. The binding of a DNA polymerase and the template DNA strand is anchored to the bottom glass surface of a ZMW. Laser light travels through the bottom surface of a ZMW and not completely penetrates it, since the ZMW dimensions are smaller than the wavelength of the light. Therefore, it allows selective excitation and identification of light emitted from nucleotides recruited for base elongation.</a:t>
             </a:r>
           </a:p>
           <a:p>
@@ -4999,15 +5237,7 @@
             </a:r>
             <a:r>
               <a:rPr lang="en-US" sz="1800" dirty="0" smtClean="0"/>
-              <a:t> is an optical waveguide that guides light energy into a volume that is small in all dimensions compared to the wavelength of the light</a:t>
-            </a:r>
-            <a:r>
-              <a:rPr lang="en-US" sz="1800" dirty="0" smtClean="0"/>
-              <a:t>. ZMWs are </a:t>
-            </a:r>
-            <a:r>
-              <a:rPr lang="en-US" sz="1800" dirty="0" smtClean="0"/>
-              <a:t>capable of confining an excitation volume to the range of </a:t>
+              <a:t> is an optical waveguide that guides light energy into a volume that is small in all dimensions compared to the wavelength of the light. ZMWs are capable of confining an excitation volume to the range of </a:t>
             </a:r>
             <a:r>
               <a:rPr lang="en-US" sz="1800" dirty="0" err="1" smtClean="0"/>
@@ -5015,11 +5245,7 @@
             </a:r>
             <a:r>
               <a:rPr lang="en-US" sz="1800" dirty="0" smtClean="0"/>
-              <a:t> (</a:t>
-            </a:r>
-            <a:r>
-              <a:rPr lang="en-US" sz="1800" dirty="0" smtClean="0"/>
-              <a:t>10</a:t>
+              <a:t> (10</a:t>
             </a:r>
             <a:r>
               <a:rPr lang="en-US" sz="1800" baseline="30000" dirty="0" smtClean="0"/>
@@ -5027,15 +5253,7 @@
             </a:r>
             <a:r>
               <a:rPr lang="en-US" sz="1800" dirty="0" smtClean="0"/>
-              <a:t> </a:t>
-            </a:r>
-            <a:r>
-              <a:rPr lang="en-US" sz="1800" dirty="0" smtClean="0"/>
-              <a:t>liters), </a:t>
-            </a:r>
-            <a:r>
-              <a:rPr lang="en-US" sz="1800" dirty="0" smtClean="0"/>
-              <a:t>which allows individual molecules to be isolated for optical analysis at physiologically relevant concentrations of fluorescently labeled </a:t>
+              <a:t> liters), which allows individual molecules to be isolated for optical analysis at physiologically relevant concentrations of fluorescently labeled </a:t>
             </a:r>
             <a:r>
               <a:rPr lang="en-US" sz="1800" dirty="0" err="1" smtClean="0"/>
@@ -5051,11 +5269,7 @@
             </a:r>
             <a:r>
               <a:rPr lang="en-US" sz="1800" dirty="0" smtClean="0"/>
-              <a:t> </a:t>
-            </a:r>
-            <a:r>
-              <a:rPr lang="en-US" sz="1800" dirty="0" smtClean="0"/>
-              <a:t>RS II (by </a:t>
+              <a:t> RS II (by </a:t>
             </a:r>
             <a:r>
               <a:rPr lang="en-US" sz="1800" dirty="0" err="1" smtClean="0"/>
@@ -5063,11 +5277,7 @@
             </a:r>
             <a:r>
               <a:rPr lang="en-US" sz="1800" dirty="0" smtClean="0"/>
-              <a:t>) utilizes SMRT sequencing and can produce about 50,000 reads ranging from 15,000 to 40,000 bases in length in just three hours. The extended read length facilitates sequence alignment and improves precision in drafting an assembly, simply because long repetitive DNA fragments can be easily spanned</a:t>
-            </a:r>
-            <a:r>
-              <a:rPr lang="en-US" sz="1800" dirty="0" smtClean="0"/>
-              <a:t>.  Error rate is approximately 15%.</a:t>
+              <a:t>) utilizes SMRT sequencing and can produce about 50,000 reads ranging from 15,000 to 40,000 bases in length in just three hours. The extended read length facilitates sequence alignment and improves precision in drafting an assembly, simply because long repetitive DNA fragments can be easily spanned.  Error rate is approximately 15%.</a:t>
             </a:r>
           </a:p>
           <a:p>
@@ -5089,11 +5299,7 @@
             </a:r>
             <a:r>
               <a:rPr lang="en-US" sz="1800" dirty="0" smtClean="0"/>
-              <a:t> technology, SMRT sequencers are referred to as “third-generation-sequencers</a:t>
-            </a:r>
-            <a:r>
-              <a:rPr lang="en-US" sz="1800" dirty="0" smtClean="0"/>
-              <a:t>”.</a:t>
+              <a:t> technology, SMRT sequencers are referred to as “third-generation-sequencers”.</a:t>
             </a:r>
             <a:endParaRPr lang="en-US" sz="1800" dirty="0"/>
           </a:p>
@@ -5388,4 +5594,287 @@
   <a:objectDefaults/>
   <a:extraClrSchemeLst/>
 </a:theme>
+</file>
+
+<file path=ppt/theme/theme2.xml><?xml version="1.0" encoding="utf-8"?>
+<a:theme xmlns:a="http://schemas.openxmlformats.org/drawingml/2006/main" name="Office Theme">
+  <a:themeElements>
+    <a:clrScheme name="Office">
+      <a:dk1>
+        <a:sysClr val="windowText" lastClr="000000"/>
+      </a:dk1>
+      <a:lt1>
+        <a:sysClr val="window" lastClr="FFFFFF"/>
+      </a:lt1>
+      <a:dk2>
+        <a:srgbClr val="1F497D"/>
+      </a:dk2>
+      <a:lt2>
+        <a:srgbClr val="EEECE1"/>
+      </a:lt2>
+      <a:accent1>
+        <a:srgbClr val="4F81BD"/>
+      </a:accent1>
+      <a:accent2>
+        <a:srgbClr val="C0504D"/>
+      </a:accent2>
+      <a:accent3>
+        <a:srgbClr val="9BBB59"/>
+      </a:accent3>
+      <a:accent4>
+        <a:srgbClr val="8064A2"/>
+      </a:accent4>
+      <a:accent5>
+        <a:srgbClr val="4BACC6"/>
+      </a:accent5>
+      <a:accent6>
+        <a:srgbClr val="F79646"/>
+      </a:accent6>
+      <a:hlink>
+        <a:srgbClr val="0000FF"/>
+      </a:hlink>
+      <a:folHlink>
+        <a:srgbClr val="800080"/>
+      </a:folHlink>
+    </a:clrScheme>
+    <a:fontScheme name="Office">
+      <a:majorFont>
+        <a:latin typeface="Calibri"/>
+        <a:ea typeface=""/>
+        <a:cs typeface=""/>
+        <a:font script="Jpan" typeface="ＭＳ Ｐゴシック"/>
+        <a:font script="Hang" typeface="맑은 고딕"/>
+        <a:font script="Hans" typeface="宋体"/>
+        <a:font script="Hant" typeface="新細明體"/>
+        <a:font script="Arab" typeface="Times New Roman"/>
+        <a:font script="Hebr" typeface="Times New Roman"/>
+        <a:font script="Thai" typeface="Angsana New"/>
+        <a:font script="Ethi" typeface="Nyala"/>
+        <a:font script="Beng" typeface="Vrinda"/>
+        <a:font script="Gujr" typeface="Shruti"/>
+        <a:font script="Khmr" typeface="MoolBoran"/>
+        <a:font script="Knda" typeface="Tunga"/>
+        <a:font script="Guru" typeface="Raavi"/>
+        <a:font script="Cans" typeface="Euphemia"/>
+        <a:font script="Cher" typeface="Plantagenet Cherokee"/>
+        <a:font script="Yiii" typeface="Microsoft Yi Baiti"/>
+        <a:font script="Tibt" typeface="Microsoft Himalaya"/>
+        <a:font script="Thaa" typeface="MV Boli"/>
+        <a:font script="Deva" typeface="Mangal"/>
+        <a:font script="Telu" typeface="Gautami"/>
+        <a:font script="Taml" typeface="Latha"/>
+        <a:font script="Syrc" typeface="Estrangelo Edessa"/>
+        <a:font script="Orya" typeface="Kalinga"/>
+        <a:font script="Mlym" typeface="Kartika"/>
+        <a:font script="Laoo" typeface="DokChampa"/>
+        <a:font script="Sinh" typeface="Iskoola Pota"/>
+        <a:font script="Mong" typeface="Mongolian Baiti"/>
+        <a:font script="Viet" typeface="Times New Roman"/>
+        <a:font script="Uigh" typeface="Microsoft Uighur"/>
+      </a:majorFont>
+      <a:minorFont>
+        <a:latin typeface="Calibri"/>
+        <a:ea typeface=""/>
+        <a:cs typeface=""/>
+        <a:font script="Jpan" typeface="ＭＳ Ｐゴシック"/>
+        <a:font script="Hang" typeface="맑은 고딕"/>
+        <a:font script="Hans" typeface="宋体"/>
+        <a:font script="Hant" typeface="新細明體"/>
+        <a:font script="Arab" typeface="Arial"/>
+        <a:font script="Hebr" typeface="Arial"/>
+        <a:font script="Thai" typeface="Cordia New"/>
+        <a:font script="Ethi" typeface="Nyala"/>
+        <a:font script="Beng" typeface="Vrinda"/>
+        <a:font script="Gujr" typeface="Shruti"/>
+        <a:font script="Khmr" typeface="DaunPenh"/>
+        <a:font script="Knda" typeface="Tunga"/>
+        <a:font script="Guru" typeface="Raavi"/>
+        <a:font script="Cans" typeface="Euphemia"/>
+        <a:font script="Cher" typeface="Plantagenet Cherokee"/>
+        <a:font script="Yiii" typeface="Microsoft Yi Baiti"/>
+        <a:font script="Tibt" typeface="Microsoft Himalaya"/>
+        <a:font script="Thaa" typeface="MV Boli"/>
+        <a:font script="Deva" typeface="Mangal"/>
+        <a:font script="Telu" typeface="Gautami"/>
+        <a:font script="Taml" typeface="Latha"/>
+        <a:font script="Syrc" typeface="Estrangelo Edessa"/>
+        <a:font script="Orya" typeface="Kalinga"/>
+        <a:font script="Mlym" typeface="Kartika"/>
+        <a:font script="Laoo" typeface="DokChampa"/>
+        <a:font script="Sinh" typeface="Iskoola Pota"/>
+        <a:font script="Mong" typeface="Mongolian Baiti"/>
+        <a:font script="Viet" typeface="Arial"/>
+        <a:font script="Uigh" typeface="Microsoft Uighur"/>
+      </a:minorFont>
+    </a:fontScheme>
+    <a:fmtScheme name="Office">
+      <a:fillStyleLst>
+        <a:solidFill>
+          <a:schemeClr val="phClr"/>
+        </a:solidFill>
+        <a:gradFill rotWithShape="1">
+          <a:gsLst>
+            <a:gs pos="0">
+              <a:schemeClr val="phClr">
+                <a:tint val="50000"/>
+                <a:satMod val="300000"/>
+              </a:schemeClr>
+            </a:gs>
+            <a:gs pos="35000">
+              <a:schemeClr val="phClr">
+                <a:tint val="37000"/>
+                <a:satMod val="300000"/>
+              </a:schemeClr>
+            </a:gs>
+            <a:gs pos="100000">
+              <a:schemeClr val="phClr">
+                <a:tint val="15000"/>
+                <a:satMod val="350000"/>
+              </a:schemeClr>
+            </a:gs>
+          </a:gsLst>
+          <a:lin ang="16200000" scaled="1"/>
+        </a:gradFill>
+        <a:gradFill rotWithShape="1">
+          <a:gsLst>
+            <a:gs pos="0">
+              <a:schemeClr val="phClr">
+                <a:shade val="51000"/>
+                <a:satMod val="130000"/>
+              </a:schemeClr>
+            </a:gs>
+            <a:gs pos="80000">
+              <a:schemeClr val="phClr">
+                <a:shade val="93000"/>
+                <a:satMod val="130000"/>
+              </a:schemeClr>
+            </a:gs>
+            <a:gs pos="100000">
+              <a:schemeClr val="phClr">
+                <a:shade val="94000"/>
+                <a:satMod val="135000"/>
+              </a:schemeClr>
+            </a:gs>
+          </a:gsLst>
+          <a:lin ang="16200000" scaled="0"/>
+        </a:gradFill>
+      </a:fillStyleLst>
+      <a:lnStyleLst>
+        <a:ln w="9525" cap="flat" cmpd="sng" algn="ctr">
+          <a:solidFill>
+            <a:schemeClr val="phClr">
+              <a:shade val="95000"/>
+              <a:satMod val="105000"/>
+            </a:schemeClr>
+          </a:solidFill>
+          <a:prstDash val="solid"/>
+        </a:ln>
+        <a:ln w="25400" cap="flat" cmpd="sng" algn="ctr">
+          <a:solidFill>
+            <a:schemeClr val="phClr"/>
+          </a:solidFill>
+          <a:prstDash val="solid"/>
+        </a:ln>
+        <a:ln w="38100" cap="flat" cmpd="sng" algn="ctr">
+          <a:solidFill>
+            <a:schemeClr val="phClr"/>
+          </a:solidFill>
+          <a:prstDash val="solid"/>
+        </a:ln>
+      </a:lnStyleLst>
+      <a:effectStyleLst>
+        <a:effectStyle>
+          <a:effectLst>
+            <a:outerShdw blurRad="40000" dist="20000" dir="5400000" rotWithShape="0">
+              <a:srgbClr val="000000">
+                <a:alpha val="38000"/>
+              </a:srgbClr>
+            </a:outerShdw>
+          </a:effectLst>
+        </a:effectStyle>
+        <a:effectStyle>
+          <a:effectLst>
+            <a:outerShdw blurRad="40000" dist="23000" dir="5400000" rotWithShape="0">
+              <a:srgbClr val="000000">
+                <a:alpha val="35000"/>
+              </a:srgbClr>
+            </a:outerShdw>
+          </a:effectLst>
+        </a:effectStyle>
+        <a:effectStyle>
+          <a:effectLst>
+            <a:outerShdw blurRad="40000" dist="23000" dir="5400000" rotWithShape="0">
+              <a:srgbClr val="000000">
+                <a:alpha val="35000"/>
+              </a:srgbClr>
+            </a:outerShdw>
+          </a:effectLst>
+          <a:scene3d>
+            <a:camera prst="orthographicFront">
+              <a:rot lat="0" lon="0" rev="0"/>
+            </a:camera>
+            <a:lightRig rig="threePt" dir="t">
+              <a:rot lat="0" lon="0" rev="1200000"/>
+            </a:lightRig>
+          </a:scene3d>
+          <a:sp3d>
+            <a:bevelT w="63500" h="25400"/>
+          </a:sp3d>
+        </a:effectStyle>
+      </a:effectStyleLst>
+      <a:bgFillStyleLst>
+        <a:solidFill>
+          <a:schemeClr val="phClr"/>
+        </a:solidFill>
+        <a:gradFill rotWithShape="1">
+          <a:gsLst>
+            <a:gs pos="0">
+              <a:schemeClr val="phClr">
+                <a:tint val="40000"/>
+                <a:satMod val="350000"/>
+              </a:schemeClr>
+            </a:gs>
+            <a:gs pos="40000">
+              <a:schemeClr val="phClr">
+                <a:tint val="45000"/>
+                <a:shade val="99000"/>
+                <a:satMod val="350000"/>
+              </a:schemeClr>
+            </a:gs>
+            <a:gs pos="100000">
+              <a:schemeClr val="phClr">
+                <a:shade val="20000"/>
+                <a:satMod val="255000"/>
+              </a:schemeClr>
+            </a:gs>
+          </a:gsLst>
+          <a:path path="circle">
+            <a:fillToRect l="50000" t="-80000" r="50000" b="180000"/>
+          </a:path>
+        </a:gradFill>
+        <a:gradFill rotWithShape="1">
+          <a:gsLst>
+            <a:gs pos="0">
+              <a:schemeClr val="phClr">
+                <a:tint val="80000"/>
+                <a:satMod val="300000"/>
+              </a:schemeClr>
+            </a:gs>
+            <a:gs pos="100000">
+              <a:schemeClr val="phClr">
+                <a:shade val="30000"/>
+                <a:satMod val="200000"/>
+              </a:schemeClr>
+            </a:gs>
+          </a:gsLst>
+          <a:path path="circle">
+            <a:fillToRect l="50000" t="50000" r="50000" b="50000"/>
+          </a:path>
+        </a:gradFill>
+      </a:bgFillStyleLst>
+    </a:fmtScheme>
+  </a:themeElements>
+  <a:objectDefaults/>
+  <a:extraClrSchemeLst/>
+</a:theme>
 </file>